--- a/Clase3/Presentación.pptx
+++ b/Clase3/Presentación.pptx
@@ -5,7 +5,7 @@
     <p:sldMasterId id="2147483672" r:id="rId1"/>
   </p:sldMasterIdLst>
   <p:notesMasterIdLst>
-    <p:notesMasterId r:id="rId14"/>
+    <p:notesMasterId r:id="rId13"/>
   </p:notesMasterIdLst>
   <p:sldIdLst>
     <p:sldId id="256" r:id="rId2"/>
@@ -18,8 +18,7 @@
     <p:sldId id="309" r:id="rId9"/>
     <p:sldId id="257" r:id="rId10"/>
     <p:sldId id="310" r:id="rId11"/>
-    <p:sldId id="311" r:id="rId12"/>
-    <p:sldId id="312" r:id="rId13"/>
+    <p:sldId id="318" r:id="rId12"/>
   </p:sldIdLst>
   <p:sldSz cx="12192000" cy="6858000"/>
   <p:notesSz cx="6858000" cy="9144000"/>
@@ -208,7 +207,7 @@
           <a:p>
             <a:fld id="{430AAACB-714D-4ED6-9BCD-E10DE1E326CF}" type="datetimeFigureOut">
               <a:rPr lang="es-CO" smtClean="0"/>
-              <a:t>13/08/2019</a:t>
+              <a:t>14/08/2019</a:t>
             </a:fld>
             <a:endParaRPr lang="es-CO"/>
           </a:p>
@@ -702,7 +701,7 @@
           <a:p>
             <a:fld id="{C214C790-AC43-4046-BAB7-879940BCF0AB}" type="datetimeFigureOut">
               <a:rPr lang="es-CO" smtClean="0"/>
-              <a:t>13/08/2019</a:t>
+              <a:t>14/08/2019</a:t>
             </a:fld>
             <a:endParaRPr lang="es-CO"/>
           </a:p>
@@ -910,7 +909,7 @@
           <a:p>
             <a:fld id="{C214C790-AC43-4046-BAB7-879940BCF0AB}" type="datetimeFigureOut">
               <a:rPr lang="es-CO" smtClean="0"/>
-              <a:t>13/08/2019</a:t>
+              <a:t>14/08/2019</a:t>
             </a:fld>
             <a:endParaRPr lang="es-CO"/>
           </a:p>
@@ -1166,7 +1165,7 @@
           <a:p>
             <a:fld id="{C214C790-AC43-4046-BAB7-879940BCF0AB}" type="datetimeFigureOut">
               <a:rPr lang="es-CO" smtClean="0"/>
-              <a:t>13/08/2019</a:t>
+              <a:t>14/08/2019</a:t>
             </a:fld>
             <a:endParaRPr lang="es-CO"/>
           </a:p>
@@ -1336,7 +1335,7 @@
           <a:p>
             <a:fld id="{C214C790-AC43-4046-BAB7-879940BCF0AB}" type="datetimeFigureOut">
               <a:rPr lang="es-CO" smtClean="0"/>
-              <a:t>13/08/2019</a:t>
+              <a:t>14/08/2019</a:t>
             </a:fld>
             <a:endParaRPr lang="es-CO"/>
           </a:p>
@@ -1679,7 +1678,7 @@
           <a:p>
             <a:fld id="{C214C790-AC43-4046-BAB7-879940BCF0AB}" type="datetimeFigureOut">
               <a:rPr lang="es-CO" smtClean="0"/>
-              <a:t>13/08/2019</a:t>
+              <a:t>14/08/2019</a:t>
             </a:fld>
             <a:endParaRPr lang="es-CO"/>
           </a:p>
@@ -1954,7 +1953,7 @@
           <a:p>
             <a:fld id="{C214C790-AC43-4046-BAB7-879940BCF0AB}" type="datetimeFigureOut">
               <a:rPr lang="es-CO" smtClean="0"/>
-              <a:t>13/08/2019</a:t>
+              <a:t>14/08/2019</a:t>
             </a:fld>
             <a:endParaRPr lang="es-CO"/>
           </a:p>
@@ -2333,7 +2332,7 @@
           <a:p>
             <a:fld id="{C214C790-AC43-4046-BAB7-879940BCF0AB}" type="datetimeFigureOut">
               <a:rPr lang="es-CO" smtClean="0"/>
-              <a:t>13/08/2019</a:t>
+              <a:t>14/08/2019</a:t>
             </a:fld>
             <a:endParaRPr lang="es-CO"/>
           </a:p>
@@ -2451,7 +2450,7 @@
           <a:p>
             <a:fld id="{C214C790-AC43-4046-BAB7-879940BCF0AB}" type="datetimeFigureOut">
               <a:rPr lang="es-CO" smtClean="0"/>
-              <a:t>13/08/2019</a:t>
+              <a:t>14/08/2019</a:t>
             </a:fld>
             <a:endParaRPr lang="es-CO"/>
           </a:p>
@@ -2622,7 +2621,7 @@
           <a:p>
             <a:fld id="{C214C790-AC43-4046-BAB7-879940BCF0AB}" type="datetimeFigureOut">
               <a:rPr lang="es-CO" smtClean="0"/>
-              <a:t>13/08/2019</a:t>
+              <a:t>14/08/2019</a:t>
             </a:fld>
             <a:endParaRPr lang="es-CO"/>
           </a:p>
@@ -2976,7 +2975,7 @@
           <a:p>
             <a:fld id="{C214C790-AC43-4046-BAB7-879940BCF0AB}" type="datetimeFigureOut">
               <a:rPr lang="es-CO" smtClean="0"/>
-              <a:t>13/08/2019</a:t>
+              <a:t>14/08/2019</a:t>
             </a:fld>
             <a:endParaRPr lang="es-CO"/>
           </a:p>
@@ -3353,7 +3352,7 @@
           <a:p>
             <a:fld id="{C214C790-AC43-4046-BAB7-879940BCF0AB}" type="datetimeFigureOut">
               <a:rPr lang="es-CO" smtClean="0"/>
-              <a:t>13/08/2019</a:t>
+              <a:t>14/08/2019</a:t>
             </a:fld>
             <a:endParaRPr lang="es-CO"/>
           </a:p>
@@ -3640,7 +3639,7 @@
           <a:p>
             <a:fld id="{C214C790-AC43-4046-BAB7-879940BCF0AB}" type="datetimeFigureOut">
               <a:rPr lang="es-CO" smtClean="0"/>
-              <a:t>13/08/2019</a:t>
+              <a:t>14/08/2019</a:t>
             </a:fld>
             <a:endParaRPr lang="es-CO"/>
           </a:p>
@@ -4315,11 +4314,7 @@
           <a:p>
             <a:r>
               <a:rPr lang="es-ES" dirty="0" smtClean="0"/>
-              <a:t>1. Implemente la conexión </a:t>
-            </a:r>
-            <a:r>
-              <a:rPr lang="es-ES" dirty="0" smtClean="0"/>
-              <a:t>TCP </a:t>
+              <a:t>1. Implemente la conexión TCP </a:t>
             </a:r>
             <a:r>
               <a:rPr lang="es-ES" dirty="0" err="1" smtClean="0"/>
@@ -4329,7 +4324,6 @@
               <a:rPr lang="es-ES" dirty="0" smtClean="0"/>
               <a:t>.</a:t>
             </a:r>
-            <a:endParaRPr lang="es-ES" dirty="0" smtClean="0"/>
           </a:p>
           <a:p>
             <a:endParaRPr lang="es-ES" dirty="0" smtClean="0"/>
@@ -4459,8 +4453,12 @@
           <a:lstStyle/>
           <a:p>
             <a:r>
-              <a:rPr lang="es-ES" dirty="0" smtClean="0"/>
-              <a:t>Conexiones asíncronas</a:t>
+              <a:rPr lang="es-ES" smtClean="0"/>
+              <a:t>Taller </a:t>
+            </a:r>
+            <a:r>
+              <a:rPr lang="es-ES" smtClean="0"/>
+              <a:t>1</a:t>
             </a:r>
             <a:endParaRPr lang="es-CO" dirty="0"/>
           </a:p>
@@ -4478,1355 +4476,110 @@
         </p:nvSpPr>
         <p:spPr>
           <a:xfrm>
-            <a:off x="1097280" y="1845734"/>
-            <a:ext cx="5451004" cy="4023360"/>
-          </a:xfrm>
-        </p:spPr>
-        <p:txBody>
-          <a:bodyPr/>
-          <a:lstStyle/>
-          <a:p>
-            <a:r>
-              <a:rPr lang="es-ES" smtClean="0"/>
-              <a:t>Una conexión asíncrona implica que hay un hilo de </a:t>
-            </a:r>
-            <a:r>
-              <a:rPr lang="es-ES" b="1" smtClean="0"/>
-              <a:t>ENVÍO</a:t>
-            </a:r>
-            <a:r>
-              <a:rPr lang="es-ES" smtClean="0"/>
-              <a:t> y otro hilo de </a:t>
-            </a:r>
-            <a:r>
-              <a:rPr lang="es-ES" b="1" smtClean="0"/>
-              <a:t>RECEPCIÓN</a:t>
-            </a:r>
-            <a:r>
-              <a:rPr lang="es-ES" smtClean="0"/>
-              <a:t>.</a:t>
-            </a:r>
-          </a:p>
-          <a:p>
-            <a:r>
-              <a:rPr lang="es-ES" smtClean="0"/>
-              <a:t>Ambos hilos deben surgir en el momento que ocurre el </a:t>
-            </a:r>
-            <a:r>
-              <a:rPr lang="es-ES" b="1" smtClean="0"/>
-              <a:t>HANDSHAKE</a:t>
-            </a:r>
-            <a:r>
-              <a:rPr lang="es-ES" smtClean="0"/>
-              <a:t>.</a:t>
-            </a:r>
-            <a:endParaRPr lang="es-ES" u="sng" smtClean="0"/>
-          </a:p>
-          <a:p>
-            <a:r>
-              <a:rPr lang="es-ES" smtClean="0"/>
-              <a:t>La clase Singleton de conexión debe poder dirigir y obtener información hacia los dos hilos de recepción y emisión.</a:t>
-            </a:r>
-            <a:endParaRPr lang="es-ES" u="sng" smtClean="0"/>
-          </a:p>
-          <a:p>
-            <a:r>
-              <a:rPr lang="es-ES" smtClean="0"/>
-              <a:t>El hilo de emisión sólo requiere estar activo mientras envía el mensaje.</a:t>
-            </a:r>
-          </a:p>
-          <a:p>
-            <a:r>
-              <a:rPr lang="es-ES" smtClean="0"/>
-              <a:t>El hilo de recepción requiere estar siempre activo.</a:t>
-            </a:r>
-            <a:endParaRPr lang="es-ES" dirty="0"/>
-          </a:p>
-        </p:txBody>
-      </p:sp>
-      <p:sp>
-        <p:nvSpPr>
-          <p:cNvPr id="4" name="Rectángulo 3"/>
-          <p:cNvSpPr/>
-          <p:nvPr/>
-        </p:nvSpPr>
-        <p:spPr>
-          <a:xfrm>
-            <a:off x="7015316" y="2946284"/>
-            <a:ext cx="2322871" cy="806245"/>
-          </a:xfrm>
-          <a:prstGeom prst="rect">
-            <a:avLst/>
-          </a:prstGeom>
-        </p:spPr>
-        <p:style>
-          <a:lnRef idx="2">
-            <a:schemeClr val="accent1">
-              <a:shade val="50000"/>
-            </a:schemeClr>
-          </a:lnRef>
-          <a:fillRef idx="1">
-            <a:schemeClr val="accent1"/>
-          </a:fillRef>
-          <a:effectRef idx="0">
-            <a:schemeClr val="accent1"/>
-          </a:effectRef>
-          <a:fontRef idx="minor">
-            <a:schemeClr val="lt1"/>
-          </a:fontRef>
-        </p:style>
-        <p:txBody>
-          <a:bodyPr rtlCol="0" anchor="ctr"/>
-          <a:lstStyle/>
-          <a:p>
-            <a:pPr algn="ctr"/>
-            <a:r>
-              <a:rPr lang="es-ES" dirty="0" err="1" smtClean="0"/>
-              <a:t>TCPConnection</a:t>
-            </a:r>
-            <a:endParaRPr lang="es-CO" dirty="0"/>
-          </a:p>
-        </p:txBody>
-      </p:sp>
-      <p:sp>
-        <p:nvSpPr>
-          <p:cNvPr id="5" name="Rectángulo 4"/>
-          <p:cNvSpPr/>
-          <p:nvPr/>
-        </p:nvSpPr>
-        <p:spPr>
-          <a:xfrm>
-            <a:off x="7015315" y="2100933"/>
-            <a:ext cx="1135626" cy="806245"/>
-          </a:xfrm>
-          <a:prstGeom prst="rect">
-            <a:avLst/>
-          </a:prstGeom>
-          <a:solidFill>
-            <a:srgbClr val="002060"/>
-          </a:solidFill>
-          <a:ln>
-            <a:solidFill>
-              <a:schemeClr val="tx1"/>
-            </a:solidFill>
-          </a:ln>
-        </p:spPr>
-        <p:style>
-          <a:lnRef idx="2">
-            <a:schemeClr val="accent1">
-              <a:shade val="50000"/>
-            </a:schemeClr>
-          </a:lnRef>
-          <a:fillRef idx="1">
-            <a:schemeClr val="accent1"/>
-          </a:fillRef>
-          <a:effectRef idx="0">
-            <a:schemeClr val="accent1"/>
-          </a:effectRef>
-          <a:fontRef idx="minor">
-            <a:schemeClr val="lt1"/>
-          </a:fontRef>
-        </p:style>
-        <p:txBody>
-          <a:bodyPr rtlCol="0" anchor="ctr"/>
-          <a:lstStyle/>
-          <a:p>
-            <a:pPr algn="ctr"/>
+            <a:off x="1097279" y="1845734"/>
+            <a:ext cx="9232054" cy="4023360"/>
+          </a:xfrm>
+        </p:spPr>
+        <p:txBody>
+          <a:bodyPr>
+            <a:normAutofit/>
+          </a:bodyPr>
+          <a:lstStyle/>
+          <a:p>
             <a:r>
               <a:rPr lang="es-ES" dirty="0" smtClean="0"/>
-              <a:t>Receptor</a:t>
-            </a:r>
-            <a:endParaRPr lang="es-CO" dirty="0"/>
-          </a:p>
-        </p:txBody>
-      </p:sp>
-      <p:sp>
-        <p:nvSpPr>
-          <p:cNvPr id="6" name="Rectángulo 5"/>
-          <p:cNvSpPr/>
-          <p:nvPr/>
-        </p:nvSpPr>
-        <p:spPr>
-          <a:xfrm>
-            <a:off x="8202561" y="2100932"/>
-            <a:ext cx="1135626" cy="806245"/>
-          </a:xfrm>
-          <a:prstGeom prst="rect">
-            <a:avLst/>
-          </a:prstGeom>
-          <a:solidFill>
-            <a:srgbClr val="002060"/>
-          </a:solidFill>
-          <a:ln>
-            <a:solidFill>
-              <a:schemeClr val="tx1"/>
-            </a:solidFill>
-          </a:ln>
-        </p:spPr>
-        <p:style>
-          <a:lnRef idx="2">
-            <a:schemeClr val="accent1">
-              <a:shade val="50000"/>
-            </a:schemeClr>
-          </a:lnRef>
-          <a:fillRef idx="1">
-            <a:schemeClr val="accent1"/>
-          </a:fillRef>
-          <a:effectRef idx="0">
-            <a:schemeClr val="accent1"/>
-          </a:effectRef>
-          <a:fontRef idx="minor">
-            <a:schemeClr val="lt1"/>
-          </a:fontRef>
-        </p:style>
-        <p:txBody>
-          <a:bodyPr rtlCol="0" anchor="ctr"/>
-          <a:lstStyle/>
-          <a:p>
-            <a:pPr algn="ctr"/>
+              <a:t>Chatee con su compañero del lado</a:t>
+            </a:r>
+          </a:p>
+          <a:p>
             <a:r>
               <a:rPr lang="es-ES" dirty="0" smtClean="0"/>
-              <a:t>Emisor</a:t>
-            </a:r>
-            <a:endParaRPr lang="es-CO" dirty="0"/>
-          </a:p>
-        </p:txBody>
-      </p:sp>
-      <p:sp>
-        <p:nvSpPr>
-          <p:cNvPr id="7" name="Rectángulo 6"/>
-          <p:cNvSpPr/>
-          <p:nvPr/>
-        </p:nvSpPr>
-        <p:spPr>
-          <a:xfrm>
-            <a:off x="7773628" y="4636988"/>
-            <a:ext cx="806245" cy="806245"/>
-          </a:xfrm>
-          <a:prstGeom prst="rect">
-            <a:avLst/>
-          </a:prstGeom>
-        </p:spPr>
-        <p:style>
-          <a:lnRef idx="2">
-            <a:schemeClr val="accent1">
-              <a:shade val="50000"/>
-            </a:schemeClr>
-          </a:lnRef>
-          <a:fillRef idx="1">
-            <a:schemeClr val="accent1"/>
-          </a:fillRef>
-          <a:effectRef idx="0">
-            <a:schemeClr val="accent1"/>
-          </a:effectRef>
-          <a:fontRef idx="minor">
-            <a:schemeClr val="lt1"/>
-          </a:fontRef>
-        </p:style>
-        <p:txBody>
-          <a:bodyPr rtlCol="0" anchor="ctr"/>
-          <a:lstStyle/>
-          <a:p>
-            <a:pPr algn="ctr"/>
+              <a:t>Cree una lista de comando, para que cuando su interlocutor reciba el mensaje éste responda lo que se pide:</a:t>
+            </a:r>
+          </a:p>
+          <a:p>
+            <a:pPr lvl="1"/>
+            <a:r>
+              <a:rPr lang="es-ES" b="1" i="1" dirty="0" err="1" smtClean="0"/>
+              <a:t>remoteIpconfig</a:t>
+            </a:r>
+            <a:r>
+              <a:rPr lang="es-ES" b="1" i="1" dirty="0" smtClean="0"/>
+              <a:t>. </a:t>
+            </a:r>
             <a:r>
               <a:rPr lang="es-ES" dirty="0" smtClean="0"/>
-              <a:t>GUI</a:t>
-            </a:r>
-            <a:endParaRPr lang="es-CO" dirty="0"/>
-          </a:p>
-        </p:txBody>
-      </p:sp>
-      <p:cxnSp>
-        <p:nvCxnSpPr>
-          <p:cNvPr id="9" name="Conector recto de flecha 8"/>
-          <p:cNvCxnSpPr>
-            <a:stCxn id="7" idx="0"/>
-            <a:endCxn id="4" idx="2"/>
-          </p:cNvCxnSpPr>
-          <p:nvPr/>
-        </p:nvCxnSpPr>
-        <p:spPr>
-          <a:xfrm flipV="1">
-            <a:off x="8176751" y="3752529"/>
-            <a:ext cx="1" cy="884459"/>
-          </a:xfrm>
-          <a:prstGeom prst="straightConnector1">
-            <a:avLst/>
-          </a:prstGeom>
-          <a:ln>
-            <a:solidFill>
-              <a:schemeClr val="tx1"/>
-            </a:solidFill>
-            <a:headEnd type="triangle"/>
-            <a:tailEnd type="triangle"/>
-          </a:ln>
-        </p:spPr>
-        <p:style>
-          <a:lnRef idx="1">
-            <a:schemeClr val="accent1"/>
-          </a:lnRef>
-          <a:fillRef idx="0">
-            <a:schemeClr val="accent1"/>
-          </a:fillRef>
-          <a:effectRef idx="0">
-            <a:schemeClr val="accent1"/>
-          </a:effectRef>
-          <a:fontRef idx="minor">
-            <a:schemeClr val="tx1"/>
-          </a:fontRef>
-        </p:style>
-      </p:cxnSp>
-      <p:sp>
-        <p:nvSpPr>
-          <p:cNvPr id="10" name="Rectángulo 9"/>
-          <p:cNvSpPr/>
-          <p:nvPr/>
-        </p:nvSpPr>
-        <p:spPr>
-          <a:xfrm>
-            <a:off x="9761955" y="5086039"/>
-            <a:ext cx="285900" cy="285900"/>
-          </a:xfrm>
-          <a:prstGeom prst="rect">
-            <a:avLst/>
-          </a:prstGeom>
-          <a:solidFill>
-            <a:srgbClr val="002060"/>
-          </a:solidFill>
-          <a:ln>
-            <a:solidFill>
-              <a:schemeClr val="tx1"/>
-            </a:solidFill>
-          </a:ln>
-        </p:spPr>
-        <p:style>
-          <a:lnRef idx="2">
-            <a:schemeClr val="accent1">
-              <a:shade val="50000"/>
-            </a:schemeClr>
-          </a:lnRef>
-          <a:fillRef idx="1">
-            <a:schemeClr val="accent1"/>
-          </a:fillRef>
-          <a:effectRef idx="0">
-            <a:schemeClr val="accent1"/>
-          </a:effectRef>
-          <a:fontRef idx="minor">
-            <a:schemeClr val="lt1"/>
-          </a:fontRef>
-        </p:style>
-        <p:txBody>
-          <a:bodyPr rtlCol="0" anchor="ctr"/>
-          <a:lstStyle/>
-          <a:p>
-            <a:pPr algn="ctr"/>
-            <a:endParaRPr lang="es-CO" dirty="0"/>
-          </a:p>
-        </p:txBody>
-      </p:sp>
-      <p:sp>
-        <p:nvSpPr>
-          <p:cNvPr id="11" name="Rectángulo 10"/>
-          <p:cNvSpPr/>
-          <p:nvPr/>
-        </p:nvSpPr>
-        <p:spPr>
-          <a:xfrm>
-            <a:off x="9761955" y="4702420"/>
-            <a:ext cx="285900" cy="285900"/>
-          </a:xfrm>
-          <a:prstGeom prst="rect">
-            <a:avLst/>
-          </a:prstGeom>
-        </p:spPr>
-        <p:style>
-          <a:lnRef idx="2">
-            <a:schemeClr val="accent1">
-              <a:shade val="50000"/>
-            </a:schemeClr>
-          </a:lnRef>
-          <a:fillRef idx="1">
-            <a:schemeClr val="accent1"/>
-          </a:fillRef>
-          <a:effectRef idx="0">
-            <a:schemeClr val="accent1"/>
-          </a:effectRef>
-          <a:fontRef idx="minor">
-            <a:schemeClr val="lt1"/>
-          </a:fontRef>
-        </p:style>
-        <p:txBody>
-          <a:bodyPr rtlCol="0" anchor="ctr"/>
-          <a:lstStyle/>
-          <a:p>
-            <a:pPr algn="ctr"/>
-            <a:endParaRPr lang="es-CO" dirty="0"/>
-          </a:p>
-        </p:txBody>
-      </p:sp>
-      <p:sp>
-        <p:nvSpPr>
-          <p:cNvPr id="12" name="Rectángulo 11"/>
-          <p:cNvSpPr/>
-          <p:nvPr/>
-        </p:nvSpPr>
-        <p:spPr>
-          <a:xfrm>
-            <a:off x="10070196" y="4618988"/>
-            <a:ext cx="1431995" cy="369332"/>
-          </a:xfrm>
-          <a:prstGeom prst="rect">
-            <a:avLst/>
-          </a:prstGeom>
-        </p:spPr>
-        <p:txBody>
-          <a:bodyPr wrap="none">
-            <a:spAutoFit/>
-          </a:bodyPr>
-          <a:lstStyle/>
-          <a:p>
-            <a:r>
-              <a:rPr lang="es-ES" dirty="0" err="1" smtClean="0"/>
-              <a:t>Main</a:t>
+              <a:t>El interlocutor responde con su IP.</a:t>
+            </a:r>
+          </a:p>
+          <a:p>
+            <a:pPr lvl="1"/>
+            <a:r>
+              <a:rPr lang="es-ES" b="1" i="1" dirty="0" smtClean="0"/>
+              <a:t>interface. </a:t>
             </a:r>
             <a:r>
               <a:rPr lang="es-ES" dirty="0" smtClean="0"/>
-              <a:t> </a:t>
-            </a:r>
-            <a:r>
-              <a:rPr lang="es-ES" dirty="0" err="1" smtClean="0"/>
-              <a:t>Thread</a:t>
+              <a:t>La interfaz desde donde el interlocutor se comunica con usted</a:t>
+            </a:r>
+            <a:endParaRPr lang="es-ES" b="1" i="1" dirty="0" smtClean="0"/>
+          </a:p>
+          <a:p>
+            <a:pPr lvl="1"/>
+            <a:r>
+              <a:rPr lang="es-ES" b="1" i="1" dirty="0" err="1" smtClean="0"/>
+              <a:t>whatTimeIsIt</a:t>
+            </a:r>
+            <a:r>
+              <a:rPr lang="es-ES" b="1" i="1" dirty="0" smtClean="0"/>
+              <a:t>. </a:t>
             </a:r>
             <a:r>
               <a:rPr lang="es-ES" dirty="0" smtClean="0"/>
-              <a:t> </a:t>
-            </a:r>
-            <a:endParaRPr lang="es-CO" dirty="0"/>
-          </a:p>
-        </p:txBody>
-      </p:sp>
-      <p:sp>
-        <p:nvSpPr>
-          <p:cNvPr id="13" name="Rectángulo 12"/>
-          <p:cNvSpPr/>
-          <p:nvPr/>
-        </p:nvSpPr>
-        <p:spPr>
-          <a:xfrm>
-            <a:off x="10070196" y="5044323"/>
-            <a:ext cx="1676164" cy="369332"/>
-          </a:xfrm>
-          <a:prstGeom prst="rect">
-            <a:avLst/>
-          </a:prstGeom>
-        </p:spPr>
-        <p:txBody>
-          <a:bodyPr wrap="none">
-            <a:spAutoFit/>
-          </a:bodyPr>
-          <a:lstStyle/>
-          <a:p>
-            <a:r>
-              <a:rPr lang="es-ES" dirty="0" err="1" smtClean="0"/>
-              <a:t>Worker</a:t>
+              <a:t>El interlocutor responde con la hora de su sistema.</a:t>
+            </a:r>
+          </a:p>
+          <a:p>
+            <a:pPr lvl="1"/>
+            <a:r>
+              <a:rPr lang="es-ES" b="1" i="1" dirty="0" smtClean="0"/>
+              <a:t>RTT.</a:t>
             </a:r>
             <a:r>
               <a:rPr lang="es-ES" dirty="0" smtClean="0"/>
-              <a:t> </a:t>
-            </a:r>
-            <a:r>
-              <a:rPr lang="es-ES" dirty="0" err="1" smtClean="0"/>
-              <a:t>Threads</a:t>
-            </a:r>
-            <a:endParaRPr lang="es-CO" dirty="0"/>
+              <a:t> Usted envía un mensaje de 1024 Bytes a su interlocutor, este se lo reenvía y usted mide el tiempo de ida y venida. Luego usted puede saber el RTT en la consola</a:t>
+            </a:r>
+          </a:p>
+          <a:p>
+            <a:pPr lvl="1"/>
+            <a:r>
+              <a:rPr lang="es-ES" b="1" i="1" dirty="0" err="1" smtClean="0"/>
+              <a:t>speed</a:t>
+            </a:r>
+            <a:r>
+              <a:rPr lang="es-ES" b="1" i="1" dirty="0" smtClean="0"/>
+              <a:t>. </a:t>
+            </a:r>
+            <a:r>
+              <a:rPr lang="es-ES" dirty="0" smtClean="0"/>
+              <a:t>Envíe un mensaje de 8192 Bytes a su interlocutor, éste se lo reenvía. Usted puede estimar en KB/s cuál es la velocidad de transmisión.</a:t>
+            </a:r>
+            <a:endParaRPr lang="es-ES" b="1" i="1" dirty="0" smtClean="0"/>
+          </a:p>
+          <a:p>
+            <a:pPr lvl="1"/>
+            <a:endParaRPr lang="es-ES" b="1" i="1" dirty="0"/>
+          </a:p>
+          <a:p>
+            <a:pPr lvl="1"/>
+            <a:endParaRPr lang="es-ES" b="1" i="1" dirty="0" smtClean="0"/>
           </a:p>
         </p:txBody>
       </p:sp>
     </p:spTree>
     <p:extLst>
       <p:ext uri="{BB962C8B-B14F-4D97-AF65-F5344CB8AC3E}">
-        <p14:creationId xmlns:p14="http://schemas.microsoft.com/office/powerpoint/2010/main" val="1372914675"/>
-      </p:ext>
-    </p:extLst>
-  </p:cSld>
-  <p:clrMapOvr>
-    <a:masterClrMapping/>
-  </p:clrMapOvr>
-  <p:timing>
-    <p:tnLst>
-      <p:par>
-        <p:cTn id="1" dur="indefinite" restart="never" nodeType="tmRoot"/>
-      </p:par>
-    </p:tnLst>
-  </p:timing>
-</p:sld>
-</file>
-
-<file path=ppt/slides/slide12.xml><?xml version="1.0" encoding="utf-8"?>
-<p:sld xmlns:a="http://schemas.openxmlformats.org/drawingml/2006/main" xmlns:r="http://schemas.openxmlformats.org/officeDocument/2006/relationships" xmlns:p="http://schemas.openxmlformats.org/presentationml/2006/main">
-  <p:cSld>
-    <p:spTree>
-      <p:nvGrpSpPr>
-        <p:cNvPr id="1" name=""/>
-        <p:cNvGrpSpPr/>
-        <p:nvPr/>
-      </p:nvGrpSpPr>
-      <p:grpSpPr>
-        <a:xfrm>
-          <a:off x="0" y="0"/>
-          <a:ext cx="0" cy="0"/>
-          <a:chOff x="0" y="0"/>
-          <a:chExt cx="0" cy="0"/>
-        </a:xfrm>
-      </p:grpSpPr>
-      <p:sp>
-        <p:nvSpPr>
-          <p:cNvPr id="2" name="Título 1"/>
-          <p:cNvSpPr>
-            <a:spLocks noGrp="1"/>
-          </p:cNvSpPr>
-          <p:nvPr>
-            <p:ph type="title"/>
-          </p:nvPr>
-        </p:nvSpPr>
-        <p:spPr/>
-        <p:txBody>
-          <a:bodyPr/>
-          <a:lstStyle/>
-          <a:p>
-            <a:r>
-              <a:rPr lang="es-ES" dirty="0" smtClean="0"/>
-              <a:t>Conexiones asíncronas</a:t>
-            </a:r>
-            <a:endParaRPr lang="es-CO" dirty="0"/>
-          </a:p>
-        </p:txBody>
-      </p:sp>
-      <p:sp>
-        <p:nvSpPr>
-          <p:cNvPr id="3" name="Marcador de contenido 2"/>
-          <p:cNvSpPr>
-            <a:spLocks noGrp="1"/>
-          </p:cNvSpPr>
-          <p:nvPr>
-            <p:ph idx="1"/>
-          </p:nvPr>
-        </p:nvSpPr>
-        <p:spPr>
-          <a:xfrm>
-            <a:off x="1097280" y="1845734"/>
-            <a:ext cx="5451004" cy="4023360"/>
-          </a:xfrm>
-        </p:spPr>
-        <p:txBody>
-          <a:bodyPr/>
-          <a:lstStyle/>
-          <a:p>
-            <a:r>
-              <a:rPr lang="es-ES" dirty="0" smtClean="0"/>
-              <a:t>Una conexión asíncrona implica que hay un hilo de </a:t>
-            </a:r>
-            <a:r>
-              <a:rPr lang="es-ES" b="1" dirty="0" smtClean="0"/>
-              <a:t>ENVÍO</a:t>
-            </a:r>
-            <a:r>
-              <a:rPr lang="es-ES" dirty="0" smtClean="0"/>
-              <a:t> y otro hilo de </a:t>
-            </a:r>
-            <a:r>
-              <a:rPr lang="es-ES" b="1" dirty="0" smtClean="0"/>
-              <a:t>RECEPCIÓN</a:t>
-            </a:r>
-            <a:r>
-              <a:rPr lang="es-ES" dirty="0" smtClean="0"/>
-              <a:t>.</a:t>
-            </a:r>
-          </a:p>
-          <a:p>
-            <a:r>
-              <a:rPr lang="es-ES" dirty="0" smtClean="0"/>
-              <a:t>Ambos hilos deben surgir en el momento que ocurre el </a:t>
-            </a:r>
-            <a:r>
-              <a:rPr lang="es-ES" b="1" dirty="0" smtClean="0"/>
-              <a:t>HANDSHAKE</a:t>
-            </a:r>
-            <a:r>
-              <a:rPr lang="es-ES" dirty="0" smtClean="0"/>
-              <a:t>.</a:t>
-            </a:r>
-            <a:endParaRPr lang="es-ES" u="sng" dirty="0" smtClean="0"/>
-          </a:p>
-          <a:p>
-            <a:r>
-              <a:rPr lang="es-ES" dirty="0" smtClean="0"/>
-              <a:t>La clase </a:t>
-            </a:r>
-            <a:r>
-              <a:rPr lang="es-ES" dirty="0" err="1" smtClean="0"/>
-              <a:t>Singleton</a:t>
-            </a:r>
-            <a:r>
-              <a:rPr lang="es-ES" dirty="0" smtClean="0"/>
-              <a:t> de conexión debe poder dirigir y obtener información hacia los dos hilos de recepción y emisión.</a:t>
-            </a:r>
-            <a:endParaRPr lang="es-ES" u="sng" dirty="0" smtClean="0"/>
-          </a:p>
-          <a:p>
-            <a:r>
-              <a:rPr lang="es-ES" dirty="0" smtClean="0"/>
-              <a:t>El hilo de emisión sólo requiere estar activo mientras envía el mensaje.</a:t>
-            </a:r>
-          </a:p>
-          <a:p>
-            <a:r>
-              <a:rPr lang="es-ES" dirty="0" smtClean="0"/>
-              <a:t>El hilo de recepción requiere estar siempre activo.</a:t>
-            </a:r>
-            <a:endParaRPr lang="es-ES" dirty="0"/>
-          </a:p>
-        </p:txBody>
-      </p:sp>
-      <p:cxnSp>
-        <p:nvCxnSpPr>
-          <p:cNvPr id="14" name="Conector recto de flecha 13"/>
-          <p:cNvCxnSpPr/>
-          <p:nvPr/>
-        </p:nvCxnSpPr>
-        <p:spPr>
-          <a:xfrm>
-            <a:off x="7579305" y="2064774"/>
-            <a:ext cx="0" cy="4247536"/>
-          </a:xfrm>
-          <a:prstGeom prst="straightConnector1">
-            <a:avLst/>
-          </a:prstGeom>
-          <a:ln>
-            <a:solidFill>
-              <a:schemeClr val="tx1"/>
-            </a:solidFill>
-            <a:tailEnd type="triangle"/>
-          </a:ln>
-        </p:spPr>
-        <p:style>
-          <a:lnRef idx="1">
-            <a:schemeClr val="accent1"/>
-          </a:lnRef>
-          <a:fillRef idx="0">
-            <a:schemeClr val="accent1"/>
-          </a:fillRef>
-          <a:effectRef idx="0">
-            <a:schemeClr val="accent1"/>
-          </a:effectRef>
-          <a:fontRef idx="minor">
-            <a:schemeClr val="tx1"/>
-          </a:fontRef>
-        </p:style>
-      </p:cxnSp>
-      <p:sp>
-        <p:nvSpPr>
-          <p:cNvPr id="15" name="Rectángulo 14"/>
-          <p:cNvSpPr/>
-          <p:nvPr/>
-        </p:nvSpPr>
-        <p:spPr>
-          <a:xfrm>
-            <a:off x="6889757" y="1737360"/>
-            <a:ext cx="1379095" cy="369332"/>
-          </a:xfrm>
-          <a:prstGeom prst="rect">
-            <a:avLst/>
-          </a:prstGeom>
-        </p:spPr>
-        <p:txBody>
-          <a:bodyPr wrap="none">
-            <a:spAutoFit/>
-          </a:bodyPr>
-          <a:lstStyle/>
-          <a:p>
-            <a:r>
-              <a:rPr lang="es-ES" dirty="0" err="1" smtClean="0"/>
-              <a:t>Main</a:t>
-            </a:r>
-            <a:r>
-              <a:rPr lang="es-ES" dirty="0" smtClean="0"/>
-              <a:t> </a:t>
-            </a:r>
-            <a:r>
-              <a:rPr lang="es-ES" dirty="0" err="1" smtClean="0"/>
-              <a:t>Thread</a:t>
-            </a:r>
-            <a:endParaRPr lang="es-CO" dirty="0"/>
-          </a:p>
-        </p:txBody>
-      </p:sp>
-      <p:sp>
-        <p:nvSpPr>
-          <p:cNvPr id="16" name="Rectángulo 15"/>
-          <p:cNvSpPr/>
-          <p:nvPr/>
-        </p:nvSpPr>
-        <p:spPr>
-          <a:xfrm>
-            <a:off x="8268852" y="1737360"/>
-            <a:ext cx="1031757" cy="369332"/>
-          </a:xfrm>
-          <a:prstGeom prst="rect">
-            <a:avLst/>
-          </a:prstGeom>
-        </p:spPr>
-        <p:txBody>
-          <a:bodyPr wrap="none">
-            <a:spAutoFit/>
-          </a:bodyPr>
-          <a:lstStyle/>
-          <a:p>
-            <a:r>
-              <a:rPr lang="es-ES" dirty="0" smtClean="0"/>
-              <a:t>Receptor</a:t>
-            </a:r>
-            <a:endParaRPr lang="es-CO" dirty="0"/>
-          </a:p>
-        </p:txBody>
-      </p:sp>
-      <p:sp>
-        <p:nvSpPr>
-          <p:cNvPr id="17" name="Rectángulo 16"/>
-          <p:cNvSpPr/>
-          <p:nvPr/>
-        </p:nvSpPr>
-        <p:spPr>
-          <a:xfrm>
-            <a:off x="9385128" y="1737360"/>
-            <a:ext cx="825867" cy="369332"/>
-          </a:xfrm>
-          <a:prstGeom prst="rect">
-            <a:avLst/>
-          </a:prstGeom>
-        </p:spPr>
-        <p:txBody>
-          <a:bodyPr wrap="none">
-            <a:spAutoFit/>
-          </a:bodyPr>
-          <a:lstStyle/>
-          <a:p>
-            <a:r>
-              <a:rPr lang="es-ES" dirty="0" smtClean="0"/>
-              <a:t>Emisor</a:t>
-            </a:r>
-            <a:endParaRPr lang="es-CO" dirty="0"/>
-          </a:p>
-        </p:txBody>
-      </p:sp>
-      <p:cxnSp>
-        <p:nvCxnSpPr>
-          <p:cNvPr id="19" name="Conector recto de flecha 18"/>
-          <p:cNvCxnSpPr/>
-          <p:nvPr/>
-        </p:nvCxnSpPr>
-        <p:spPr>
-          <a:xfrm>
-            <a:off x="8779814" y="2064774"/>
-            <a:ext cx="0" cy="4247536"/>
-          </a:xfrm>
-          <a:prstGeom prst="straightConnector1">
-            <a:avLst/>
-          </a:prstGeom>
-          <a:ln>
-            <a:solidFill>
-              <a:schemeClr val="tx1"/>
-            </a:solidFill>
-            <a:tailEnd type="triangle"/>
-          </a:ln>
-        </p:spPr>
-        <p:style>
-          <a:lnRef idx="1">
-            <a:schemeClr val="accent1"/>
-          </a:lnRef>
-          <a:fillRef idx="0">
-            <a:schemeClr val="accent1"/>
-          </a:fillRef>
-          <a:effectRef idx="0">
-            <a:schemeClr val="accent1"/>
-          </a:effectRef>
-          <a:fontRef idx="minor">
-            <a:schemeClr val="tx1"/>
-          </a:fontRef>
-        </p:style>
-      </p:cxnSp>
-      <p:cxnSp>
-        <p:nvCxnSpPr>
-          <p:cNvPr id="20" name="Conector recto de flecha 19"/>
-          <p:cNvCxnSpPr/>
-          <p:nvPr/>
-        </p:nvCxnSpPr>
-        <p:spPr>
-          <a:xfrm>
-            <a:off x="9798061" y="2064774"/>
-            <a:ext cx="0" cy="4247536"/>
-          </a:xfrm>
-          <a:prstGeom prst="straightConnector1">
-            <a:avLst/>
-          </a:prstGeom>
-          <a:ln>
-            <a:solidFill>
-              <a:schemeClr val="tx1"/>
-            </a:solidFill>
-            <a:tailEnd type="triangle"/>
-          </a:ln>
-        </p:spPr>
-        <p:style>
-          <a:lnRef idx="1">
-            <a:schemeClr val="accent1"/>
-          </a:lnRef>
-          <a:fillRef idx="0">
-            <a:schemeClr val="accent1"/>
-          </a:fillRef>
-          <a:effectRef idx="0">
-            <a:schemeClr val="accent1"/>
-          </a:effectRef>
-          <a:fontRef idx="minor">
-            <a:schemeClr val="tx1"/>
-          </a:fontRef>
-        </p:style>
-      </p:cxnSp>
-      <p:sp>
-        <p:nvSpPr>
-          <p:cNvPr id="21" name="Rectángulo 20"/>
-          <p:cNvSpPr/>
-          <p:nvPr/>
-        </p:nvSpPr>
-        <p:spPr>
-          <a:xfrm>
-            <a:off x="7510479" y="2202426"/>
-            <a:ext cx="147485" cy="3864077"/>
-          </a:xfrm>
-          <a:prstGeom prst="rect">
-            <a:avLst/>
-          </a:prstGeom>
-          <a:solidFill>
-            <a:schemeClr val="bg1">
-              <a:lumMod val="65000"/>
-            </a:schemeClr>
-          </a:solidFill>
-          <a:ln>
-            <a:solidFill>
-              <a:schemeClr val="tx1"/>
-            </a:solidFill>
-          </a:ln>
-        </p:spPr>
-        <p:style>
-          <a:lnRef idx="2">
-            <a:schemeClr val="accent1">
-              <a:shade val="50000"/>
-            </a:schemeClr>
-          </a:lnRef>
-          <a:fillRef idx="1">
-            <a:schemeClr val="accent1"/>
-          </a:fillRef>
-          <a:effectRef idx="0">
-            <a:schemeClr val="accent1"/>
-          </a:effectRef>
-          <a:fontRef idx="minor">
-            <a:schemeClr val="lt1"/>
-          </a:fontRef>
-        </p:style>
-        <p:txBody>
-          <a:bodyPr rtlCol="0" anchor="ctr"/>
-          <a:lstStyle/>
-          <a:p>
-            <a:pPr algn="ctr"/>
-            <a:endParaRPr lang="es-CO"/>
-          </a:p>
-        </p:txBody>
-      </p:sp>
-      <p:sp>
-        <p:nvSpPr>
-          <p:cNvPr id="23" name="Rectángulo 22"/>
-          <p:cNvSpPr/>
-          <p:nvPr/>
-        </p:nvSpPr>
-        <p:spPr>
-          <a:xfrm>
-            <a:off x="8706071" y="2808817"/>
-            <a:ext cx="147485" cy="3257686"/>
-          </a:xfrm>
-          <a:prstGeom prst="rect">
-            <a:avLst/>
-          </a:prstGeom>
-          <a:solidFill>
-            <a:schemeClr val="bg1">
-              <a:lumMod val="65000"/>
-            </a:schemeClr>
-          </a:solidFill>
-          <a:ln>
-            <a:solidFill>
-              <a:schemeClr val="tx1"/>
-            </a:solidFill>
-          </a:ln>
-        </p:spPr>
-        <p:style>
-          <a:lnRef idx="2">
-            <a:schemeClr val="accent1">
-              <a:shade val="50000"/>
-            </a:schemeClr>
-          </a:lnRef>
-          <a:fillRef idx="1">
-            <a:schemeClr val="accent1"/>
-          </a:fillRef>
-          <a:effectRef idx="0">
-            <a:schemeClr val="accent1"/>
-          </a:effectRef>
-          <a:fontRef idx="minor">
-            <a:schemeClr val="lt1"/>
-          </a:fontRef>
-        </p:style>
-        <p:txBody>
-          <a:bodyPr rtlCol="0" anchor="ctr"/>
-          <a:lstStyle/>
-          <a:p>
-            <a:pPr algn="ctr"/>
-            <a:endParaRPr lang="es-CO"/>
-          </a:p>
-        </p:txBody>
-      </p:sp>
-      <p:sp>
-        <p:nvSpPr>
-          <p:cNvPr id="24" name="Rectángulo 23"/>
-          <p:cNvSpPr/>
-          <p:nvPr/>
-        </p:nvSpPr>
-        <p:spPr>
-          <a:xfrm>
-            <a:off x="9724318" y="3036887"/>
-            <a:ext cx="147485" cy="492125"/>
-          </a:xfrm>
-          <a:prstGeom prst="rect">
-            <a:avLst/>
-          </a:prstGeom>
-          <a:solidFill>
-            <a:schemeClr val="bg1">
-              <a:lumMod val="65000"/>
-            </a:schemeClr>
-          </a:solidFill>
-          <a:ln>
-            <a:solidFill>
-              <a:schemeClr val="tx1"/>
-            </a:solidFill>
-          </a:ln>
-        </p:spPr>
-        <p:style>
-          <a:lnRef idx="2">
-            <a:schemeClr val="accent1">
-              <a:shade val="50000"/>
-            </a:schemeClr>
-          </a:lnRef>
-          <a:fillRef idx="1">
-            <a:schemeClr val="accent1"/>
-          </a:fillRef>
-          <a:effectRef idx="0">
-            <a:schemeClr val="accent1"/>
-          </a:effectRef>
-          <a:fontRef idx="minor">
-            <a:schemeClr val="lt1"/>
-          </a:fontRef>
-        </p:style>
-        <p:txBody>
-          <a:bodyPr rtlCol="0" anchor="ctr"/>
-          <a:lstStyle/>
-          <a:p>
-            <a:pPr algn="ctr"/>
-            <a:endParaRPr lang="es-CO"/>
-          </a:p>
-        </p:txBody>
-      </p:sp>
-      <p:sp>
-        <p:nvSpPr>
-          <p:cNvPr id="25" name="Rectángulo 24"/>
-          <p:cNvSpPr/>
-          <p:nvPr/>
-        </p:nvSpPr>
-        <p:spPr>
-          <a:xfrm>
-            <a:off x="9724318" y="4134464"/>
-            <a:ext cx="147485" cy="492125"/>
-          </a:xfrm>
-          <a:prstGeom prst="rect">
-            <a:avLst/>
-          </a:prstGeom>
-          <a:solidFill>
-            <a:schemeClr val="bg1">
-              <a:lumMod val="65000"/>
-            </a:schemeClr>
-          </a:solidFill>
-          <a:ln>
-            <a:solidFill>
-              <a:schemeClr val="tx1"/>
-            </a:solidFill>
-          </a:ln>
-        </p:spPr>
-        <p:style>
-          <a:lnRef idx="2">
-            <a:schemeClr val="accent1">
-              <a:shade val="50000"/>
-            </a:schemeClr>
-          </a:lnRef>
-          <a:fillRef idx="1">
-            <a:schemeClr val="accent1"/>
-          </a:fillRef>
-          <a:effectRef idx="0">
-            <a:schemeClr val="accent1"/>
-          </a:effectRef>
-          <a:fontRef idx="minor">
-            <a:schemeClr val="lt1"/>
-          </a:fontRef>
-        </p:style>
-        <p:txBody>
-          <a:bodyPr rtlCol="0" anchor="ctr"/>
-          <a:lstStyle/>
-          <a:p>
-            <a:pPr algn="ctr"/>
-            <a:endParaRPr lang="es-CO"/>
-          </a:p>
-        </p:txBody>
-      </p:sp>
-      <p:sp>
-        <p:nvSpPr>
-          <p:cNvPr id="26" name="Rectángulo 25"/>
-          <p:cNvSpPr/>
-          <p:nvPr/>
-        </p:nvSpPr>
-        <p:spPr>
-          <a:xfrm>
-            <a:off x="9721758" y="5368058"/>
-            <a:ext cx="147485" cy="492125"/>
-          </a:xfrm>
-          <a:prstGeom prst="rect">
-            <a:avLst/>
-          </a:prstGeom>
-          <a:solidFill>
-            <a:schemeClr val="bg1">
-              <a:lumMod val="65000"/>
-            </a:schemeClr>
-          </a:solidFill>
-          <a:ln>
-            <a:solidFill>
-              <a:schemeClr val="tx1"/>
-            </a:solidFill>
-          </a:ln>
-        </p:spPr>
-        <p:style>
-          <a:lnRef idx="2">
-            <a:schemeClr val="accent1">
-              <a:shade val="50000"/>
-            </a:schemeClr>
-          </a:lnRef>
-          <a:fillRef idx="1">
-            <a:schemeClr val="accent1"/>
-          </a:fillRef>
-          <a:effectRef idx="0">
-            <a:schemeClr val="accent1"/>
-          </a:effectRef>
-          <a:fontRef idx="minor">
-            <a:schemeClr val="lt1"/>
-          </a:fontRef>
-        </p:style>
-        <p:txBody>
-          <a:bodyPr rtlCol="0" anchor="ctr"/>
-          <a:lstStyle/>
-          <a:p>
-            <a:pPr algn="ctr"/>
-            <a:endParaRPr lang="es-CO"/>
-          </a:p>
-        </p:txBody>
-      </p:sp>
-      <p:cxnSp>
-        <p:nvCxnSpPr>
-          <p:cNvPr id="28" name="Conector recto de flecha 27"/>
-          <p:cNvCxnSpPr/>
-          <p:nvPr/>
-        </p:nvCxnSpPr>
-        <p:spPr>
-          <a:xfrm>
-            <a:off x="7657964" y="2882900"/>
-            <a:ext cx="1048107" cy="0"/>
-          </a:xfrm>
-          <a:prstGeom prst="straightConnector1">
-            <a:avLst/>
-          </a:prstGeom>
-          <a:ln>
-            <a:solidFill>
-              <a:schemeClr val="tx1"/>
-            </a:solidFill>
-            <a:tailEnd type="triangle"/>
-          </a:ln>
-        </p:spPr>
-        <p:style>
-          <a:lnRef idx="1">
-            <a:schemeClr val="accent1"/>
-          </a:lnRef>
-          <a:fillRef idx="0">
-            <a:schemeClr val="accent1"/>
-          </a:fillRef>
-          <a:effectRef idx="0">
-            <a:schemeClr val="accent1"/>
-          </a:effectRef>
-          <a:fontRef idx="minor">
-            <a:schemeClr val="tx1"/>
-          </a:fontRef>
-        </p:style>
-      </p:cxnSp>
-      <p:cxnSp>
-        <p:nvCxnSpPr>
-          <p:cNvPr id="29" name="Conector recto de flecha 28"/>
-          <p:cNvCxnSpPr/>
-          <p:nvPr/>
-        </p:nvCxnSpPr>
-        <p:spPr>
-          <a:xfrm>
-            <a:off x="7657964" y="3092450"/>
-            <a:ext cx="2063794" cy="0"/>
-          </a:xfrm>
-          <a:prstGeom prst="straightConnector1">
-            <a:avLst/>
-          </a:prstGeom>
-          <a:ln>
-            <a:solidFill>
-              <a:schemeClr val="tx1"/>
-            </a:solidFill>
-            <a:tailEnd type="triangle"/>
-          </a:ln>
-        </p:spPr>
-        <p:style>
-          <a:lnRef idx="1">
-            <a:schemeClr val="accent1"/>
-          </a:lnRef>
-          <a:fillRef idx="0">
-            <a:schemeClr val="accent1"/>
-          </a:fillRef>
-          <a:effectRef idx="0">
-            <a:schemeClr val="accent1"/>
-          </a:effectRef>
-          <a:fontRef idx="minor">
-            <a:schemeClr val="tx1"/>
-          </a:fontRef>
-        </p:style>
-      </p:cxnSp>
-      <p:cxnSp>
-        <p:nvCxnSpPr>
-          <p:cNvPr id="31" name="Conector recto de flecha 30"/>
-          <p:cNvCxnSpPr/>
-          <p:nvPr/>
-        </p:nvCxnSpPr>
-        <p:spPr>
-          <a:xfrm>
-            <a:off x="7657964" y="4188542"/>
-            <a:ext cx="2063794" cy="0"/>
-          </a:xfrm>
-          <a:prstGeom prst="straightConnector1">
-            <a:avLst/>
-          </a:prstGeom>
-          <a:ln>
-            <a:solidFill>
-              <a:schemeClr val="tx1"/>
-            </a:solidFill>
-            <a:tailEnd type="triangle"/>
-          </a:ln>
-        </p:spPr>
-        <p:style>
-          <a:lnRef idx="1">
-            <a:schemeClr val="accent1"/>
-          </a:lnRef>
-          <a:fillRef idx="0">
-            <a:schemeClr val="accent1"/>
-          </a:fillRef>
-          <a:effectRef idx="0">
-            <a:schemeClr val="accent1"/>
-          </a:effectRef>
-          <a:fontRef idx="minor">
-            <a:schemeClr val="tx1"/>
-          </a:fontRef>
-        </p:style>
-      </p:cxnSp>
-      <p:cxnSp>
-        <p:nvCxnSpPr>
-          <p:cNvPr id="32" name="Conector recto de flecha 31"/>
-          <p:cNvCxnSpPr/>
-          <p:nvPr/>
-        </p:nvCxnSpPr>
-        <p:spPr>
-          <a:xfrm>
-            <a:off x="7657964" y="5433142"/>
-            <a:ext cx="2063794" cy="0"/>
-          </a:xfrm>
-          <a:prstGeom prst="straightConnector1">
-            <a:avLst/>
-          </a:prstGeom>
-          <a:ln>
-            <a:solidFill>
-              <a:schemeClr val="tx1"/>
-            </a:solidFill>
-            <a:tailEnd type="triangle"/>
-          </a:ln>
-        </p:spPr>
-        <p:style>
-          <a:lnRef idx="1">
-            <a:schemeClr val="accent1"/>
-          </a:lnRef>
-          <a:fillRef idx="0">
-            <a:schemeClr val="accent1"/>
-          </a:fillRef>
-          <a:effectRef idx="0">
-            <a:schemeClr val="accent1"/>
-          </a:effectRef>
-          <a:fontRef idx="minor">
-            <a:schemeClr val="tx1"/>
-          </a:fontRef>
-        </p:style>
-      </p:cxnSp>
-      <p:sp>
-        <p:nvSpPr>
-          <p:cNvPr id="33" name="CuadroTexto 32"/>
-          <p:cNvSpPr txBox="1"/>
-          <p:nvPr/>
-        </p:nvSpPr>
-        <p:spPr>
-          <a:xfrm>
-            <a:off x="9846733" y="3144449"/>
-            <a:ext cx="1744133" cy="276999"/>
-          </a:xfrm>
-          <a:prstGeom prst="rect">
-            <a:avLst/>
-          </a:prstGeom>
-          <a:noFill/>
-        </p:spPr>
-        <p:txBody>
-          <a:bodyPr wrap="square" rtlCol="0">
-            <a:spAutoFit/>
-          </a:bodyPr>
-          <a:lstStyle/>
-          <a:p>
-            <a:r>
-              <a:rPr lang="es-ES" sz="1200" dirty="0" err="1" smtClean="0"/>
-              <a:t>Envíé</a:t>
-            </a:r>
-            <a:r>
-              <a:rPr lang="es-ES" sz="1200" dirty="0" smtClean="0"/>
-              <a:t> un mensaje</a:t>
-            </a:r>
-            <a:endParaRPr lang="es-CO" sz="1200" dirty="0"/>
-          </a:p>
-        </p:txBody>
-      </p:sp>
-      <p:sp>
-        <p:nvSpPr>
-          <p:cNvPr id="34" name="CuadroTexto 33"/>
-          <p:cNvSpPr txBox="1"/>
-          <p:nvPr/>
-        </p:nvSpPr>
-        <p:spPr>
-          <a:xfrm>
-            <a:off x="9870498" y="4242026"/>
-            <a:ext cx="1744133" cy="276999"/>
-          </a:xfrm>
-          <a:prstGeom prst="rect">
-            <a:avLst/>
-          </a:prstGeom>
-          <a:noFill/>
-        </p:spPr>
-        <p:txBody>
-          <a:bodyPr wrap="square" rtlCol="0">
-            <a:spAutoFit/>
-          </a:bodyPr>
-          <a:lstStyle/>
-          <a:p>
-            <a:r>
-              <a:rPr lang="es-ES" sz="1200" dirty="0" err="1"/>
-              <a:t>Envíé</a:t>
-            </a:r>
-            <a:r>
-              <a:rPr lang="es-ES" sz="1200" dirty="0"/>
-              <a:t> un mensaje</a:t>
-            </a:r>
-            <a:endParaRPr lang="es-CO" sz="1200" dirty="0"/>
-          </a:p>
-        </p:txBody>
-      </p:sp>
-      <p:sp>
-        <p:nvSpPr>
-          <p:cNvPr id="35" name="CuadroTexto 34"/>
-          <p:cNvSpPr txBox="1"/>
-          <p:nvPr/>
-        </p:nvSpPr>
-        <p:spPr>
-          <a:xfrm>
-            <a:off x="9870498" y="5339603"/>
-            <a:ext cx="1744133" cy="276999"/>
-          </a:xfrm>
-          <a:prstGeom prst="rect">
-            <a:avLst/>
-          </a:prstGeom>
-          <a:noFill/>
-        </p:spPr>
-        <p:txBody>
-          <a:bodyPr wrap="square" rtlCol="0">
-            <a:spAutoFit/>
-          </a:bodyPr>
-          <a:lstStyle/>
-          <a:p>
-            <a:r>
-              <a:rPr lang="es-ES" sz="1200" dirty="0" err="1"/>
-              <a:t>Envíé</a:t>
-            </a:r>
-            <a:r>
-              <a:rPr lang="es-ES" sz="1200" dirty="0"/>
-              <a:t> un mensaje</a:t>
-            </a:r>
-            <a:endParaRPr lang="es-CO" sz="1200" dirty="0"/>
-          </a:p>
-        </p:txBody>
-      </p:sp>
-      <p:sp>
-        <p:nvSpPr>
-          <p:cNvPr id="36" name="CuadroTexto 35"/>
-          <p:cNvSpPr txBox="1"/>
-          <p:nvPr/>
-        </p:nvSpPr>
-        <p:spPr>
-          <a:xfrm>
-            <a:off x="8849691" y="2650242"/>
-            <a:ext cx="1744133" cy="461665"/>
-          </a:xfrm>
-          <a:prstGeom prst="rect">
-            <a:avLst/>
-          </a:prstGeom>
-          <a:noFill/>
-        </p:spPr>
-        <p:txBody>
-          <a:bodyPr wrap="square" rtlCol="0">
-            <a:spAutoFit/>
-          </a:bodyPr>
-          <a:lstStyle/>
-          <a:p>
-            <a:r>
-              <a:rPr lang="es-ES" sz="1200" dirty="0" smtClean="0"/>
-              <a:t>Siempre </a:t>
-            </a:r>
-          </a:p>
-          <a:p>
-            <a:r>
-              <a:rPr lang="es-ES" sz="1200" dirty="0" smtClean="0"/>
-              <a:t>recibo</a:t>
-            </a:r>
-            <a:endParaRPr lang="es-CO" sz="1200" dirty="0"/>
-          </a:p>
-        </p:txBody>
-      </p:sp>
-    </p:spTree>
-    <p:extLst>
-      <p:ext uri="{BB962C8B-B14F-4D97-AF65-F5344CB8AC3E}">
-        <p14:creationId xmlns:p14="http://schemas.microsoft.com/office/powerpoint/2010/main" val="1987200508"/>
+        <p14:creationId xmlns:p14="http://schemas.microsoft.com/office/powerpoint/2010/main" val="806181138"/>
       </p:ext>
     </p:extLst>
   </p:cSld>

--- a/Clase3/Presentación.pptx
+++ b/Clase3/Presentación.pptx
@@ -207,7 +207,7 @@
           <a:p>
             <a:fld id="{430AAACB-714D-4ED6-9BCD-E10DE1E326CF}" type="datetimeFigureOut">
               <a:rPr lang="es-CO" smtClean="0"/>
-              <a:t>14/08/2019</a:t>
+              <a:t>15/08/2019</a:t>
             </a:fld>
             <a:endParaRPr lang="es-CO"/>
           </a:p>
@@ -701,7 +701,7 @@
           <a:p>
             <a:fld id="{C214C790-AC43-4046-BAB7-879940BCF0AB}" type="datetimeFigureOut">
               <a:rPr lang="es-CO" smtClean="0"/>
-              <a:t>14/08/2019</a:t>
+              <a:t>15/08/2019</a:t>
             </a:fld>
             <a:endParaRPr lang="es-CO"/>
           </a:p>
@@ -909,7 +909,7 @@
           <a:p>
             <a:fld id="{C214C790-AC43-4046-BAB7-879940BCF0AB}" type="datetimeFigureOut">
               <a:rPr lang="es-CO" smtClean="0"/>
-              <a:t>14/08/2019</a:t>
+              <a:t>15/08/2019</a:t>
             </a:fld>
             <a:endParaRPr lang="es-CO"/>
           </a:p>
@@ -1165,7 +1165,7 @@
           <a:p>
             <a:fld id="{C214C790-AC43-4046-BAB7-879940BCF0AB}" type="datetimeFigureOut">
               <a:rPr lang="es-CO" smtClean="0"/>
-              <a:t>14/08/2019</a:t>
+              <a:t>15/08/2019</a:t>
             </a:fld>
             <a:endParaRPr lang="es-CO"/>
           </a:p>
@@ -1335,7 +1335,7 @@
           <a:p>
             <a:fld id="{C214C790-AC43-4046-BAB7-879940BCF0AB}" type="datetimeFigureOut">
               <a:rPr lang="es-CO" smtClean="0"/>
-              <a:t>14/08/2019</a:t>
+              <a:t>15/08/2019</a:t>
             </a:fld>
             <a:endParaRPr lang="es-CO"/>
           </a:p>
@@ -1678,7 +1678,7 @@
           <a:p>
             <a:fld id="{C214C790-AC43-4046-BAB7-879940BCF0AB}" type="datetimeFigureOut">
               <a:rPr lang="es-CO" smtClean="0"/>
-              <a:t>14/08/2019</a:t>
+              <a:t>15/08/2019</a:t>
             </a:fld>
             <a:endParaRPr lang="es-CO"/>
           </a:p>
@@ -1953,7 +1953,7 @@
           <a:p>
             <a:fld id="{C214C790-AC43-4046-BAB7-879940BCF0AB}" type="datetimeFigureOut">
               <a:rPr lang="es-CO" smtClean="0"/>
-              <a:t>14/08/2019</a:t>
+              <a:t>15/08/2019</a:t>
             </a:fld>
             <a:endParaRPr lang="es-CO"/>
           </a:p>
@@ -2332,7 +2332,7 @@
           <a:p>
             <a:fld id="{C214C790-AC43-4046-BAB7-879940BCF0AB}" type="datetimeFigureOut">
               <a:rPr lang="es-CO" smtClean="0"/>
-              <a:t>14/08/2019</a:t>
+              <a:t>15/08/2019</a:t>
             </a:fld>
             <a:endParaRPr lang="es-CO"/>
           </a:p>
@@ -2450,7 +2450,7 @@
           <a:p>
             <a:fld id="{C214C790-AC43-4046-BAB7-879940BCF0AB}" type="datetimeFigureOut">
               <a:rPr lang="es-CO" smtClean="0"/>
-              <a:t>14/08/2019</a:t>
+              <a:t>15/08/2019</a:t>
             </a:fld>
             <a:endParaRPr lang="es-CO"/>
           </a:p>
@@ -2621,7 +2621,7 @@
           <a:p>
             <a:fld id="{C214C790-AC43-4046-BAB7-879940BCF0AB}" type="datetimeFigureOut">
               <a:rPr lang="es-CO" smtClean="0"/>
-              <a:t>14/08/2019</a:t>
+              <a:t>15/08/2019</a:t>
             </a:fld>
             <a:endParaRPr lang="es-CO"/>
           </a:p>
@@ -2975,7 +2975,7 @@
           <a:p>
             <a:fld id="{C214C790-AC43-4046-BAB7-879940BCF0AB}" type="datetimeFigureOut">
               <a:rPr lang="es-CO" smtClean="0"/>
-              <a:t>14/08/2019</a:t>
+              <a:t>15/08/2019</a:t>
             </a:fld>
             <a:endParaRPr lang="es-CO"/>
           </a:p>
@@ -3352,7 +3352,7 @@
           <a:p>
             <a:fld id="{C214C790-AC43-4046-BAB7-879940BCF0AB}" type="datetimeFigureOut">
               <a:rPr lang="es-CO" smtClean="0"/>
-              <a:t>14/08/2019</a:t>
+              <a:t>15/08/2019</a:t>
             </a:fld>
             <a:endParaRPr lang="es-CO"/>
           </a:p>
@@ -3639,7 +3639,7 @@
           <a:p>
             <a:fld id="{C214C790-AC43-4046-BAB7-879940BCF0AB}" type="datetimeFigureOut">
               <a:rPr lang="es-CO" smtClean="0"/>
-              <a:t>14/08/2019</a:t>
+              <a:t>15/08/2019</a:t>
             </a:fld>
             <a:endParaRPr lang="es-CO"/>
           </a:p>
@@ -4453,12 +4453,12 @@
           <a:lstStyle/>
           <a:p>
             <a:r>
-              <a:rPr lang="es-ES" smtClean="0"/>
+              <a:rPr lang="es-ES" dirty="0" smtClean="0"/>
               <a:t>Taller </a:t>
             </a:r>
             <a:r>
-              <a:rPr lang="es-ES" smtClean="0"/>
-              <a:t>1</a:t>
+              <a:rPr lang="es-ES" dirty="0" smtClean="0"/>
+              <a:t>individual 1</a:t>
             </a:r>
             <a:endParaRPr lang="es-CO" dirty="0"/>
           </a:p>
@@ -4571,7 +4571,17 @@
             <a:endParaRPr lang="es-ES" b="1" i="1" dirty="0"/>
           </a:p>
           <a:p>
-            <a:pPr lvl="1"/>
+            <a:pPr marL="201168" lvl="1" indent="0">
+              <a:buNone/>
+            </a:pPr>
+            <a:r>
+              <a:rPr lang="es-ES" b="1" i="1" dirty="0" smtClean="0"/>
+              <a:t>FECHA DE ENTREGA: 23 </a:t>
+            </a:r>
+            <a:r>
+              <a:rPr lang="es-ES" b="1" i="1" smtClean="0"/>
+              <a:t>de agosto de 2019</a:t>
+            </a:r>
             <a:endParaRPr lang="es-ES" b="1" i="1" dirty="0" smtClean="0"/>
           </a:p>
         </p:txBody>
